--- a/ppt 16-9/0189.救主降世.pptx
+++ b/ppt 16-9/0189.救主降世.pptx
@@ -129,7 +129,7 @@
           <p:cNvPr id="2" name="标题 1">
             <a:extLst>
               <a:ext uri="{FF2B5EF4-FFF2-40B4-BE49-F238E27FC236}">
-                <a16:creationId xmlns:a16="http://schemas.microsoft.com/office/drawing/2014/main" id="{A125FB19-DAA6-5849-DD83-C9102B975D30}"/>
+                <a16:creationId xmlns:a16="http://schemas.microsoft.com/office/drawing/2014/main" id="{53CFD5B8-340F-E99E-EC6E-B2A1D9C9AEF2}"/>
               </a:ext>
             </a:extLst>
           </p:cNvPr>
@@ -166,7 +166,7 @@
           <p:cNvPr id="3" name="副标题 2">
             <a:extLst>
               <a:ext uri="{FF2B5EF4-FFF2-40B4-BE49-F238E27FC236}">
-                <a16:creationId xmlns:a16="http://schemas.microsoft.com/office/drawing/2014/main" id="{933639EF-EEB5-551D-9463-50A30CD7E705}"/>
+                <a16:creationId xmlns:a16="http://schemas.microsoft.com/office/drawing/2014/main" id="{8D371447-6F76-6358-189C-47DDA63FEF3A}"/>
               </a:ext>
             </a:extLst>
           </p:cNvPr>
@@ -236,7 +236,7 @@
           <p:cNvPr id="4" name="日期占位符 3">
             <a:extLst>
               <a:ext uri="{FF2B5EF4-FFF2-40B4-BE49-F238E27FC236}">
-                <a16:creationId xmlns:a16="http://schemas.microsoft.com/office/drawing/2014/main" id="{6EC312A9-C143-6CA0-CF2F-E2FB040015A2}"/>
+                <a16:creationId xmlns:a16="http://schemas.microsoft.com/office/drawing/2014/main" id="{02435411-BD63-0B6A-CDCD-F1FE73486068}"/>
               </a:ext>
             </a:extLst>
           </p:cNvPr>
@@ -252,7 +252,7 @@
           <a:bodyPr/>
           <a:lstStyle/>
           <a:p>
-            <a:fld id="{14E5FA0D-0CF6-4959-AABB-266155CAD32E}" type="datetimeFigureOut">
+            <a:fld id="{BF188C32-B402-43B3-9B3B-CF97CDB2916F}" type="datetimeFigureOut">
               <a:rPr lang="zh-CN" altLang="en-US" smtClean="0"/>
               <a:t>2024/3/10</a:t>
             </a:fld>
@@ -265,7 +265,7 @@
           <p:cNvPr id="5" name="页脚占位符 4">
             <a:extLst>
               <a:ext uri="{FF2B5EF4-FFF2-40B4-BE49-F238E27FC236}">
-                <a16:creationId xmlns:a16="http://schemas.microsoft.com/office/drawing/2014/main" id="{102F356E-33A5-C2B3-E773-B20478A31743}"/>
+                <a16:creationId xmlns:a16="http://schemas.microsoft.com/office/drawing/2014/main" id="{47137F91-4BAA-A293-05ED-3CE6654A445C}"/>
               </a:ext>
             </a:extLst>
           </p:cNvPr>
@@ -290,7 +290,7 @@
           <p:cNvPr id="6" name="灯片编号占位符 5">
             <a:extLst>
               <a:ext uri="{FF2B5EF4-FFF2-40B4-BE49-F238E27FC236}">
-                <a16:creationId xmlns:a16="http://schemas.microsoft.com/office/drawing/2014/main" id="{90D45A31-872B-6828-A303-B8F13B6F4B4E}"/>
+                <a16:creationId xmlns:a16="http://schemas.microsoft.com/office/drawing/2014/main" id="{34CF9F72-91D6-7585-F768-5A8F45FE6233}"/>
               </a:ext>
             </a:extLst>
           </p:cNvPr>
@@ -306,7 +306,7 @@
           <a:bodyPr/>
           <a:lstStyle/>
           <a:p>
-            <a:fld id="{DD7AC623-9B92-44F0-928C-20177A3EE6BA}" type="slidenum">
+            <a:fld id="{7FD9FF59-B339-4EE1-AA24-8459DED05329}" type="slidenum">
               <a:rPr lang="zh-CN" altLang="en-US" smtClean="0"/>
               <a:t>‹#›</a:t>
             </a:fld>
@@ -317,7 +317,7 @@
     </p:spTree>
     <p:extLst>
       <p:ext uri="{BB962C8B-B14F-4D97-AF65-F5344CB8AC3E}">
-        <p14:creationId xmlns:p14="http://schemas.microsoft.com/office/powerpoint/2010/main" val="2902258105"/>
+        <p14:creationId xmlns:p14="http://schemas.microsoft.com/office/powerpoint/2010/main" val="1170364328"/>
       </p:ext>
     </p:extLst>
   </p:cSld>
@@ -349,7 +349,7 @@
           <p:cNvPr id="2" name="标题 1">
             <a:extLst>
               <a:ext uri="{FF2B5EF4-FFF2-40B4-BE49-F238E27FC236}">
-                <a16:creationId xmlns:a16="http://schemas.microsoft.com/office/drawing/2014/main" id="{CFB502BE-0817-ABA9-6059-F4CE1BA46002}"/>
+                <a16:creationId xmlns:a16="http://schemas.microsoft.com/office/drawing/2014/main" id="{12A7D09F-5AE3-3A5D-C525-92DB2A65CD08}"/>
               </a:ext>
             </a:extLst>
           </p:cNvPr>
@@ -377,7 +377,7 @@
           <p:cNvPr id="3" name="竖排文字占位符 2">
             <a:extLst>
               <a:ext uri="{FF2B5EF4-FFF2-40B4-BE49-F238E27FC236}">
-                <a16:creationId xmlns:a16="http://schemas.microsoft.com/office/drawing/2014/main" id="{79EC919B-E76E-74FC-93E9-BB0BFE303E12}"/>
+                <a16:creationId xmlns:a16="http://schemas.microsoft.com/office/drawing/2014/main" id="{4767BEC1-F888-5687-F54C-C7884BCF8336}"/>
               </a:ext>
             </a:extLst>
           </p:cNvPr>
@@ -434,7 +434,7 @@
           <p:cNvPr id="4" name="日期占位符 3">
             <a:extLst>
               <a:ext uri="{FF2B5EF4-FFF2-40B4-BE49-F238E27FC236}">
-                <a16:creationId xmlns:a16="http://schemas.microsoft.com/office/drawing/2014/main" id="{A07CCA1F-50B0-401B-98E9-703909395EA5}"/>
+                <a16:creationId xmlns:a16="http://schemas.microsoft.com/office/drawing/2014/main" id="{0EF9D65C-3D77-B13A-B9E1-E6607FA73191}"/>
               </a:ext>
             </a:extLst>
           </p:cNvPr>
@@ -450,7 +450,7 @@
           <a:bodyPr/>
           <a:lstStyle/>
           <a:p>
-            <a:fld id="{14E5FA0D-0CF6-4959-AABB-266155CAD32E}" type="datetimeFigureOut">
+            <a:fld id="{BF188C32-B402-43B3-9B3B-CF97CDB2916F}" type="datetimeFigureOut">
               <a:rPr lang="zh-CN" altLang="en-US" smtClean="0"/>
               <a:t>2024/3/10</a:t>
             </a:fld>
@@ -463,7 +463,7 @@
           <p:cNvPr id="5" name="页脚占位符 4">
             <a:extLst>
               <a:ext uri="{FF2B5EF4-FFF2-40B4-BE49-F238E27FC236}">
-                <a16:creationId xmlns:a16="http://schemas.microsoft.com/office/drawing/2014/main" id="{EF254396-1295-44E6-9DDF-28541CBFECCB}"/>
+                <a16:creationId xmlns:a16="http://schemas.microsoft.com/office/drawing/2014/main" id="{BB625787-72ED-F7AB-F619-D9183445F187}"/>
               </a:ext>
             </a:extLst>
           </p:cNvPr>
@@ -488,7 +488,7 @@
           <p:cNvPr id="6" name="灯片编号占位符 5">
             <a:extLst>
               <a:ext uri="{FF2B5EF4-FFF2-40B4-BE49-F238E27FC236}">
-                <a16:creationId xmlns:a16="http://schemas.microsoft.com/office/drawing/2014/main" id="{C4D858BE-5842-3B8B-A748-435804A38A94}"/>
+                <a16:creationId xmlns:a16="http://schemas.microsoft.com/office/drawing/2014/main" id="{E27FBA6F-C93A-16F1-9B0A-97C132B87540}"/>
               </a:ext>
             </a:extLst>
           </p:cNvPr>
@@ -504,7 +504,7 @@
           <a:bodyPr/>
           <a:lstStyle/>
           <a:p>
-            <a:fld id="{DD7AC623-9B92-44F0-928C-20177A3EE6BA}" type="slidenum">
+            <a:fld id="{7FD9FF59-B339-4EE1-AA24-8459DED05329}" type="slidenum">
               <a:rPr lang="zh-CN" altLang="en-US" smtClean="0"/>
               <a:t>‹#›</a:t>
             </a:fld>
@@ -515,7 +515,7 @@
     </p:spTree>
     <p:extLst>
       <p:ext uri="{BB962C8B-B14F-4D97-AF65-F5344CB8AC3E}">
-        <p14:creationId xmlns:p14="http://schemas.microsoft.com/office/powerpoint/2010/main" val="2598827808"/>
+        <p14:creationId xmlns:p14="http://schemas.microsoft.com/office/powerpoint/2010/main" val="787382428"/>
       </p:ext>
     </p:extLst>
   </p:cSld>
@@ -547,7 +547,7 @@
           <p:cNvPr id="2" name="竖排标题 1">
             <a:extLst>
               <a:ext uri="{FF2B5EF4-FFF2-40B4-BE49-F238E27FC236}">
-                <a16:creationId xmlns:a16="http://schemas.microsoft.com/office/drawing/2014/main" id="{75CC78DC-DA81-9404-D24B-41AFE6BBD376}"/>
+                <a16:creationId xmlns:a16="http://schemas.microsoft.com/office/drawing/2014/main" id="{3705687B-8F25-ACC8-E97D-CED69BC17A71}"/>
               </a:ext>
             </a:extLst>
           </p:cNvPr>
@@ -580,7 +580,7 @@
           <p:cNvPr id="3" name="竖排文字占位符 2">
             <a:extLst>
               <a:ext uri="{FF2B5EF4-FFF2-40B4-BE49-F238E27FC236}">
-                <a16:creationId xmlns:a16="http://schemas.microsoft.com/office/drawing/2014/main" id="{E4FADB0E-1E25-EDDE-3FB2-45A916FF1CD8}"/>
+                <a16:creationId xmlns:a16="http://schemas.microsoft.com/office/drawing/2014/main" id="{063824AA-2DE6-08E9-C408-6D5E6AC890DE}"/>
               </a:ext>
             </a:extLst>
           </p:cNvPr>
@@ -642,7 +642,7 @@
           <p:cNvPr id="4" name="日期占位符 3">
             <a:extLst>
               <a:ext uri="{FF2B5EF4-FFF2-40B4-BE49-F238E27FC236}">
-                <a16:creationId xmlns:a16="http://schemas.microsoft.com/office/drawing/2014/main" id="{B08AA246-2F00-8FC2-18D5-4AE48E0970E7}"/>
+                <a16:creationId xmlns:a16="http://schemas.microsoft.com/office/drawing/2014/main" id="{B626E26F-5D40-7ECE-53E5-F0D2310E6499}"/>
               </a:ext>
             </a:extLst>
           </p:cNvPr>
@@ -658,7 +658,7 @@
           <a:bodyPr/>
           <a:lstStyle/>
           <a:p>
-            <a:fld id="{14E5FA0D-0CF6-4959-AABB-266155CAD32E}" type="datetimeFigureOut">
+            <a:fld id="{BF188C32-B402-43B3-9B3B-CF97CDB2916F}" type="datetimeFigureOut">
               <a:rPr lang="zh-CN" altLang="en-US" smtClean="0"/>
               <a:t>2024/3/10</a:t>
             </a:fld>
@@ -671,7 +671,7 @@
           <p:cNvPr id="5" name="页脚占位符 4">
             <a:extLst>
               <a:ext uri="{FF2B5EF4-FFF2-40B4-BE49-F238E27FC236}">
-                <a16:creationId xmlns:a16="http://schemas.microsoft.com/office/drawing/2014/main" id="{D3C0C4C9-BFB3-45C3-02AA-6A5A52279F66}"/>
+                <a16:creationId xmlns:a16="http://schemas.microsoft.com/office/drawing/2014/main" id="{61194537-721F-41A1-EE90-2E82443B1518}"/>
               </a:ext>
             </a:extLst>
           </p:cNvPr>
@@ -696,7 +696,7 @@
           <p:cNvPr id="6" name="灯片编号占位符 5">
             <a:extLst>
               <a:ext uri="{FF2B5EF4-FFF2-40B4-BE49-F238E27FC236}">
-                <a16:creationId xmlns:a16="http://schemas.microsoft.com/office/drawing/2014/main" id="{60577855-5C6D-3021-9D00-E5898CC3E94A}"/>
+                <a16:creationId xmlns:a16="http://schemas.microsoft.com/office/drawing/2014/main" id="{CDA01665-24A7-35CD-93AB-A06D55A202E2}"/>
               </a:ext>
             </a:extLst>
           </p:cNvPr>
@@ -712,7 +712,7 @@
           <a:bodyPr/>
           <a:lstStyle/>
           <a:p>
-            <a:fld id="{DD7AC623-9B92-44F0-928C-20177A3EE6BA}" type="slidenum">
+            <a:fld id="{7FD9FF59-B339-4EE1-AA24-8459DED05329}" type="slidenum">
               <a:rPr lang="zh-CN" altLang="en-US" smtClean="0"/>
               <a:t>‹#›</a:t>
             </a:fld>
@@ -723,7 +723,7 @@
     </p:spTree>
     <p:extLst>
       <p:ext uri="{BB962C8B-B14F-4D97-AF65-F5344CB8AC3E}">
-        <p14:creationId xmlns:p14="http://schemas.microsoft.com/office/powerpoint/2010/main" val="61742761"/>
+        <p14:creationId xmlns:p14="http://schemas.microsoft.com/office/powerpoint/2010/main" val="3680232817"/>
       </p:ext>
     </p:extLst>
   </p:cSld>
@@ -755,7 +755,7 @@
           <p:cNvPr id="2" name="标题 1">
             <a:extLst>
               <a:ext uri="{FF2B5EF4-FFF2-40B4-BE49-F238E27FC236}">
-                <a16:creationId xmlns:a16="http://schemas.microsoft.com/office/drawing/2014/main" id="{82DBD09E-15C2-C902-CE1F-9B66776B7452}"/>
+                <a16:creationId xmlns:a16="http://schemas.microsoft.com/office/drawing/2014/main" id="{526A46A0-52E1-1E7A-9FD4-C180F6D42A67}"/>
               </a:ext>
             </a:extLst>
           </p:cNvPr>
@@ -783,7 +783,7 @@
           <p:cNvPr id="3" name="内容占位符 2">
             <a:extLst>
               <a:ext uri="{FF2B5EF4-FFF2-40B4-BE49-F238E27FC236}">
-                <a16:creationId xmlns:a16="http://schemas.microsoft.com/office/drawing/2014/main" id="{819AFBCF-E730-908D-594D-FD9D013AF948}"/>
+                <a16:creationId xmlns:a16="http://schemas.microsoft.com/office/drawing/2014/main" id="{F92B1C97-A19C-6767-210A-610106A9E8CB}"/>
               </a:ext>
             </a:extLst>
           </p:cNvPr>
@@ -840,7 +840,7 @@
           <p:cNvPr id="4" name="日期占位符 3">
             <a:extLst>
               <a:ext uri="{FF2B5EF4-FFF2-40B4-BE49-F238E27FC236}">
-                <a16:creationId xmlns:a16="http://schemas.microsoft.com/office/drawing/2014/main" id="{B50B9416-EF04-DC19-EF9F-DCF61AF5212D}"/>
+                <a16:creationId xmlns:a16="http://schemas.microsoft.com/office/drawing/2014/main" id="{2D61B7C8-4093-8010-6A58-87425FAE0481}"/>
               </a:ext>
             </a:extLst>
           </p:cNvPr>
@@ -856,7 +856,7 @@
           <a:bodyPr/>
           <a:lstStyle/>
           <a:p>
-            <a:fld id="{14E5FA0D-0CF6-4959-AABB-266155CAD32E}" type="datetimeFigureOut">
+            <a:fld id="{BF188C32-B402-43B3-9B3B-CF97CDB2916F}" type="datetimeFigureOut">
               <a:rPr lang="zh-CN" altLang="en-US" smtClean="0"/>
               <a:t>2024/3/10</a:t>
             </a:fld>
@@ -869,7 +869,7 @@
           <p:cNvPr id="5" name="页脚占位符 4">
             <a:extLst>
               <a:ext uri="{FF2B5EF4-FFF2-40B4-BE49-F238E27FC236}">
-                <a16:creationId xmlns:a16="http://schemas.microsoft.com/office/drawing/2014/main" id="{936218AE-26E0-1C76-8226-68773774145F}"/>
+                <a16:creationId xmlns:a16="http://schemas.microsoft.com/office/drawing/2014/main" id="{F0EAE90C-45D8-A09B-AEE6-9BC67040DBA9}"/>
               </a:ext>
             </a:extLst>
           </p:cNvPr>
@@ -894,7 +894,7 @@
           <p:cNvPr id="6" name="灯片编号占位符 5">
             <a:extLst>
               <a:ext uri="{FF2B5EF4-FFF2-40B4-BE49-F238E27FC236}">
-                <a16:creationId xmlns:a16="http://schemas.microsoft.com/office/drawing/2014/main" id="{DFF4C38C-9C98-AD05-2187-01B420CD1DA5}"/>
+                <a16:creationId xmlns:a16="http://schemas.microsoft.com/office/drawing/2014/main" id="{8BA5721E-50BE-5846-8B67-A85EA9C85AC0}"/>
               </a:ext>
             </a:extLst>
           </p:cNvPr>
@@ -910,7 +910,7 @@
           <a:bodyPr/>
           <a:lstStyle/>
           <a:p>
-            <a:fld id="{DD7AC623-9B92-44F0-928C-20177A3EE6BA}" type="slidenum">
+            <a:fld id="{7FD9FF59-B339-4EE1-AA24-8459DED05329}" type="slidenum">
               <a:rPr lang="zh-CN" altLang="en-US" smtClean="0"/>
               <a:t>‹#›</a:t>
             </a:fld>
@@ -921,7 +921,7 @@
     </p:spTree>
     <p:extLst>
       <p:ext uri="{BB962C8B-B14F-4D97-AF65-F5344CB8AC3E}">
-        <p14:creationId xmlns:p14="http://schemas.microsoft.com/office/powerpoint/2010/main" val="1654696103"/>
+        <p14:creationId xmlns:p14="http://schemas.microsoft.com/office/powerpoint/2010/main" val="4085315094"/>
       </p:ext>
     </p:extLst>
   </p:cSld>
@@ -953,7 +953,7 @@
           <p:cNvPr id="2" name="标题 1">
             <a:extLst>
               <a:ext uri="{FF2B5EF4-FFF2-40B4-BE49-F238E27FC236}">
-                <a16:creationId xmlns:a16="http://schemas.microsoft.com/office/drawing/2014/main" id="{4A5D683F-F3EE-9CC9-23A7-9A7DE7477434}"/>
+                <a16:creationId xmlns:a16="http://schemas.microsoft.com/office/drawing/2014/main" id="{1FE21C85-4BEC-4BAF-41CE-A3E1E48740FA}"/>
               </a:ext>
             </a:extLst>
           </p:cNvPr>
@@ -990,7 +990,7 @@
           <p:cNvPr id="3" name="文本占位符 2">
             <a:extLst>
               <a:ext uri="{FF2B5EF4-FFF2-40B4-BE49-F238E27FC236}">
-                <a16:creationId xmlns:a16="http://schemas.microsoft.com/office/drawing/2014/main" id="{13C2AEDE-9178-BED5-E876-308F7DABCBDF}"/>
+                <a16:creationId xmlns:a16="http://schemas.microsoft.com/office/drawing/2014/main" id="{F7C7D420-A344-4E6E-E3A0-F82FAE94C812}"/>
               </a:ext>
             </a:extLst>
           </p:cNvPr>
@@ -1115,7 +1115,7 @@
           <p:cNvPr id="4" name="日期占位符 3">
             <a:extLst>
               <a:ext uri="{FF2B5EF4-FFF2-40B4-BE49-F238E27FC236}">
-                <a16:creationId xmlns:a16="http://schemas.microsoft.com/office/drawing/2014/main" id="{7436E738-9CB0-5443-AEE8-3DB05B27599C}"/>
+                <a16:creationId xmlns:a16="http://schemas.microsoft.com/office/drawing/2014/main" id="{378CEF6D-EA8D-BB70-8921-9CBEA4CFAD84}"/>
               </a:ext>
             </a:extLst>
           </p:cNvPr>
@@ -1131,7 +1131,7 @@
           <a:bodyPr/>
           <a:lstStyle/>
           <a:p>
-            <a:fld id="{14E5FA0D-0CF6-4959-AABB-266155CAD32E}" type="datetimeFigureOut">
+            <a:fld id="{BF188C32-B402-43B3-9B3B-CF97CDB2916F}" type="datetimeFigureOut">
               <a:rPr lang="zh-CN" altLang="en-US" smtClean="0"/>
               <a:t>2024/3/10</a:t>
             </a:fld>
@@ -1144,7 +1144,7 @@
           <p:cNvPr id="5" name="页脚占位符 4">
             <a:extLst>
               <a:ext uri="{FF2B5EF4-FFF2-40B4-BE49-F238E27FC236}">
-                <a16:creationId xmlns:a16="http://schemas.microsoft.com/office/drawing/2014/main" id="{ABD3B7C0-4C8B-1AF9-115E-9FF7767CDE69}"/>
+                <a16:creationId xmlns:a16="http://schemas.microsoft.com/office/drawing/2014/main" id="{0D2A889E-914B-5767-D8FA-1D01DD3C20CD}"/>
               </a:ext>
             </a:extLst>
           </p:cNvPr>
@@ -1169,7 +1169,7 @@
           <p:cNvPr id="6" name="灯片编号占位符 5">
             <a:extLst>
               <a:ext uri="{FF2B5EF4-FFF2-40B4-BE49-F238E27FC236}">
-                <a16:creationId xmlns:a16="http://schemas.microsoft.com/office/drawing/2014/main" id="{9475FD0A-3F4B-12D9-6410-D3D98B50FDB1}"/>
+                <a16:creationId xmlns:a16="http://schemas.microsoft.com/office/drawing/2014/main" id="{A0960337-7EC2-18CE-832B-96D78AEDC169}"/>
               </a:ext>
             </a:extLst>
           </p:cNvPr>
@@ -1185,7 +1185,7 @@
           <a:bodyPr/>
           <a:lstStyle/>
           <a:p>
-            <a:fld id="{DD7AC623-9B92-44F0-928C-20177A3EE6BA}" type="slidenum">
+            <a:fld id="{7FD9FF59-B339-4EE1-AA24-8459DED05329}" type="slidenum">
               <a:rPr lang="zh-CN" altLang="en-US" smtClean="0"/>
               <a:t>‹#›</a:t>
             </a:fld>
@@ -1196,7 +1196,7 @@
     </p:spTree>
     <p:extLst>
       <p:ext uri="{BB962C8B-B14F-4D97-AF65-F5344CB8AC3E}">
-        <p14:creationId xmlns:p14="http://schemas.microsoft.com/office/powerpoint/2010/main" val="3655581892"/>
+        <p14:creationId xmlns:p14="http://schemas.microsoft.com/office/powerpoint/2010/main" val="3805721229"/>
       </p:ext>
     </p:extLst>
   </p:cSld>
@@ -1228,7 +1228,7 @@
           <p:cNvPr id="2" name="标题 1">
             <a:extLst>
               <a:ext uri="{FF2B5EF4-FFF2-40B4-BE49-F238E27FC236}">
-                <a16:creationId xmlns:a16="http://schemas.microsoft.com/office/drawing/2014/main" id="{8186E4C1-4026-C15C-2D75-070B56FD9D3F}"/>
+                <a16:creationId xmlns:a16="http://schemas.microsoft.com/office/drawing/2014/main" id="{1346795C-C7B6-EC3A-2595-4382FB74530D}"/>
               </a:ext>
             </a:extLst>
           </p:cNvPr>
@@ -1256,7 +1256,7 @@
           <p:cNvPr id="3" name="内容占位符 2">
             <a:extLst>
               <a:ext uri="{FF2B5EF4-FFF2-40B4-BE49-F238E27FC236}">
-                <a16:creationId xmlns:a16="http://schemas.microsoft.com/office/drawing/2014/main" id="{776CFFC2-1EAB-59EF-ACDB-E1FFD8A45A6F}"/>
+                <a16:creationId xmlns:a16="http://schemas.microsoft.com/office/drawing/2014/main" id="{F3FA891A-B0C2-6A70-8C25-61B074B17F20}"/>
               </a:ext>
             </a:extLst>
           </p:cNvPr>
@@ -1318,7 +1318,7 @@
           <p:cNvPr id="4" name="内容占位符 3">
             <a:extLst>
               <a:ext uri="{FF2B5EF4-FFF2-40B4-BE49-F238E27FC236}">
-                <a16:creationId xmlns:a16="http://schemas.microsoft.com/office/drawing/2014/main" id="{97801915-B055-997B-792A-B32E494492C1}"/>
+                <a16:creationId xmlns:a16="http://schemas.microsoft.com/office/drawing/2014/main" id="{C05D922E-CB83-EF45-B0BB-CE1645602E53}"/>
               </a:ext>
             </a:extLst>
           </p:cNvPr>
@@ -1380,7 +1380,7 @@
           <p:cNvPr id="5" name="日期占位符 4">
             <a:extLst>
               <a:ext uri="{FF2B5EF4-FFF2-40B4-BE49-F238E27FC236}">
-                <a16:creationId xmlns:a16="http://schemas.microsoft.com/office/drawing/2014/main" id="{04525C69-BF23-9BB8-1D2B-C9346FFF16FC}"/>
+                <a16:creationId xmlns:a16="http://schemas.microsoft.com/office/drawing/2014/main" id="{A429AC7E-4E49-3065-91D9-423CFA48F157}"/>
               </a:ext>
             </a:extLst>
           </p:cNvPr>
@@ -1396,7 +1396,7 @@
           <a:bodyPr/>
           <a:lstStyle/>
           <a:p>
-            <a:fld id="{14E5FA0D-0CF6-4959-AABB-266155CAD32E}" type="datetimeFigureOut">
+            <a:fld id="{BF188C32-B402-43B3-9B3B-CF97CDB2916F}" type="datetimeFigureOut">
               <a:rPr lang="zh-CN" altLang="en-US" smtClean="0"/>
               <a:t>2024/3/10</a:t>
             </a:fld>
@@ -1409,7 +1409,7 @@
           <p:cNvPr id="6" name="页脚占位符 5">
             <a:extLst>
               <a:ext uri="{FF2B5EF4-FFF2-40B4-BE49-F238E27FC236}">
-                <a16:creationId xmlns:a16="http://schemas.microsoft.com/office/drawing/2014/main" id="{BCFFC747-BFE5-EB6A-CE14-C772C995117A}"/>
+                <a16:creationId xmlns:a16="http://schemas.microsoft.com/office/drawing/2014/main" id="{404B5BA6-D272-8C99-998F-FD0A19E2CA48}"/>
               </a:ext>
             </a:extLst>
           </p:cNvPr>
@@ -1434,7 +1434,7 @@
           <p:cNvPr id="7" name="灯片编号占位符 6">
             <a:extLst>
               <a:ext uri="{FF2B5EF4-FFF2-40B4-BE49-F238E27FC236}">
-                <a16:creationId xmlns:a16="http://schemas.microsoft.com/office/drawing/2014/main" id="{C50DD1E4-CCB6-CA95-A10B-441D883FDE21}"/>
+                <a16:creationId xmlns:a16="http://schemas.microsoft.com/office/drawing/2014/main" id="{05022BEC-AE21-A00D-1083-AC56ECC463D9}"/>
               </a:ext>
             </a:extLst>
           </p:cNvPr>
@@ -1450,7 +1450,7 @@
           <a:bodyPr/>
           <a:lstStyle/>
           <a:p>
-            <a:fld id="{DD7AC623-9B92-44F0-928C-20177A3EE6BA}" type="slidenum">
+            <a:fld id="{7FD9FF59-B339-4EE1-AA24-8459DED05329}" type="slidenum">
               <a:rPr lang="zh-CN" altLang="en-US" smtClean="0"/>
               <a:t>‹#›</a:t>
             </a:fld>
@@ -1461,7 +1461,7 @@
     </p:spTree>
     <p:extLst>
       <p:ext uri="{BB962C8B-B14F-4D97-AF65-F5344CB8AC3E}">
-        <p14:creationId xmlns:p14="http://schemas.microsoft.com/office/powerpoint/2010/main" val="2862497257"/>
+        <p14:creationId xmlns:p14="http://schemas.microsoft.com/office/powerpoint/2010/main" val="2318964340"/>
       </p:ext>
     </p:extLst>
   </p:cSld>
@@ -1493,7 +1493,7 @@
           <p:cNvPr id="2" name="标题 1">
             <a:extLst>
               <a:ext uri="{FF2B5EF4-FFF2-40B4-BE49-F238E27FC236}">
-                <a16:creationId xmlns:a16="http://schemas.microsoft.com/office/drawing/2014/main" id="{7E12DF8F-806E-05CB-8931-AE16999456F6}"/>
+                <a16:creationId xmlns:a16="http://schemas.microsoft.com/office/drawing/2014/main" id="{06C8FE52-0B3E-4B92-E56C-6B5893BB9B19}"/>
               </a:ext>
             </a:extLst>
           </p:cNvPr>
@@ -1526,7 +1526,7 @@
           <p:cNvPr id="3" name="文本占位符 2">
             <a:extLst>
               <a:ext uri="{FF2B5EF4-FFF2-40B4-BE49-F238E27FC236}">
-                <a16:creationId xmlns:a16="http://schemas.microsoft.com/office/drawing/2014/main" id="{ECD1B3DB-E363-628F-2B2B-920ECCD90E02}"/>
+                <a16:creationId xmlns:a16="http://schemas.microsoft.com/office/drawing/2014/main" id="{1865F259-9447-6C01-2453-CBC1770AF9BE}"/>
               </a:ext>
             </a:extLst>
           </p:cNvPr>
@@ -1597,7 +1597,7 @@
           <p:cNvPr id="4" name="内容占位符 3">
             <a:extLst>
               <a:ext uri="{FF2B5EF4-FFF2-40B4-BE49-F238E27FC236}">
-                <a16:creationId xmlns:a16="http://schemas.microsoft.com/office/drawing/2014/main" id="{9A77F11A-AA42-166F-FC88-7A2888E2F682}"/>
+                <a16:creationId xmlns:a16="http://schemas.microsoft.com/office/drawing/2014/main" id="{5DDD8F14-D8B0-B376-D42E-3DD2672A86BA}"/>
               </a:ext>
             </a:extLst>
           </p:cNvPr>
@@ -1659,7 +1659,7 @@
           <p:cNvPr id="5" name="文本占位符 4">
             <a:extLst>
               <a:ext uri="{FF2B5EF4-FFF2-40B4-BE49-F238E27FC236}">
-                <a16:creationId xmlns:a16="http://schemas.microsoft.com/office/drawing/2014/main" id="{2039224B-D59B-6635-EED3-72E2F09B0960}"/>
+                <a16:creationId xmlns:a16="http://schemas.microsoft.com/office/drawing/2014/main" id="{1A9848AE-CCEF-EADC-E1BF-57A5EEC4BE9A}"/>
               </a:ext>
             </a:extLst>
           </p:cNvPr>
@@ -1730,7 +1730,7 @@
           <p:cNvPr id="6" name="内容占位符 5">
             <a:extLst>
               <a:ext uri="{FF2B5EF4-FFF2-40B4-BE49-F238E27FC236}">
-                <a16:creationId xmlns:a16="http://schemas.microsoft.com/office/drawing/2014/main" id="{2CCF5990-93FA-83AF-37BC-BFD5255EF397}"/>
+                <a16:creationId xmlns:a16="http://schemas.microsoft.com/office/drawing/2014/main" id="{085FBAEB-B4B5-4D2D-A18C-E6CCAD199980}"/>
               </a:ext>
             </a:extLst>
           </p:cNvPr>
@@ -1792,7 +1792,7 @@
           <p:cNvPr id="7" name="日期占位符 6">
             <a:extLst>
               <a:ext uri="{FF2B5EF4-FFF2-40B4-BE49-F238E27FC236}">
-                <a16:creationId xmlns:a16="http://schemas.microsoft.com/office/drawing/2014/main" id="{C5DA2FBB-703F-7706-C04D-0BE8EBE9138D}"/>
+                <a16:creationId xmlns:a16="http://schemas.microsoft.com/office/drawing/2014/main" id="{D2842C5D-3852-AA7C-664F-90AF19E4FA09}"/>
               </a:ext>
             </a:extLst>
           </p:cNvPr>
@@ -1808,7 +1808,7 @@
           <a:bodyPr/>
           <a:lstStyle/>
           <a:p>
-            <a:fld id="{14E5FA0D-0CF6-4959-AABB-266155CAD32E}" type="datetimeFigureOut">
+            <a:fld id="{BF188C32-B402-43B3-9B3B-CF97CDB2916F}" type="datetimeFigureOut">
               <a:rPr lang="zh-CN" altLang="en-US" smtClean="0"/>
               <a:t>2024/3/10</a:t>
             </a:fld>
@@ -1821,7 +1821,7 @@
           <p:cNvPr id="8" name="页脚占位符 7">
             <a:extLst>
               <a:ext uri="{FF2B5EF4-FFF2-40B4-BE49-F238E27FC236}">
-                <a16:creationId xmlns:a16="http://schemas.microsoft.com/office/drawing/2014/main" id="{5A1B2669-D8A0-FD50-1BCD-9F3F2B85E77A}"/>
+                <a16:creationId xmlns:a16="http://schemas.microsoft.com/office/drawing/2014/main" id="{DC3A8FBD-A6C2-F3DD-DF53-933881E96AA4}"/>
               </a:ext>
             </a:extLst>
           </p:cNvPr>
@@ -1846,7 +1846,7 @@
           <p:cNvPr id="9" name="灯片编号占位符 8">
             <a:extLst>
               <a:ext uri="{FF2B5EF4-FFF2-40B4-BE49-F238E27FC236}">
-                <a16:creationId xmlns:a16="http://schemas.microsoft.com/office/drawing/2014/main" id="{729DB34F-5036-1777-8D5F-D49E37A62622}"/>
+                <a16:creationId xmlns:a16="http://schemas.microsoft.com/office/drawing/2014/main" id="{981CD9DA-25E4-2135-6AFE-49C934C96ADF}"/>
               </a:ext>
             </a:extLst>
           </p:cNvPr>
@@ -1862,7 +1862,7 @@
           <a:bodyPr/>
           <a:lstStyle/>
           <a:p>
-            <a:fld id="{DD7AC623-9B92-44F0-928C-20177A3EE6BA}" type="slidenum">
+            <a:fld id="{7FD9FF59-B339-4EE1-AA24-8459DED05329}" type="slidenum">
               <a:rPr lang="zh-CN" altLang="en-US" smtClean="0"/>
               <a:t>‹#›</a:t>
             </a:fld>
@@ -1873,7 +1873,7 @@
     </p:spTree>
     <p:extLst>
       <p:ext uri="{BB962C8B-B14F-4D97-AF65-F5344CB8AC3E}">
-        <p14:creationId xmlns:p14="http://schemas.microsoft.com/office/powerpoint/2010/main" val="3950758539"/>
+        <p14:creationId xmlns:p14="http://schemas.microsoft.com/office/powerpoint/2010/main" val="3036317978"/>
       </p:ext>
     </p:extLst>
   </p:cSld>
@@ -1905,7 +1905,7 @@
           <p:cNvPr id="2" name="标题 1">
             <a:extLst>
               <a:ext uri="{FF2B5EF4-FFF2-40B4-BE49-F238E27FC236}">
-                <a16:creationId xmlns:a16="http://schemas.microsoft.com/office/drawing/2014/main" id="{E9C899FD-72A4-E581-54CF-45F3E69ADA82}"/>
+                <a16:creationId xmlns:a16="http://schemas.microsoft.com/office/drawing/2014/main" id="{732561D2-1018-C887-8026-1B067CFDDBA4}"/>
               </a:ext>
             </a:extLst>
           </p:cNvPr>
@@ -1933,7 +1933,7 @@
           <p:cNvPr id="3" name="日期占位符 2">
             <a:extLst>
               <a:ext uri="{FF2B5EF4-FFF2-40B4-BE49-F238E27FC236}">
-                <a16:creationId xmlns:a16="http://schemas.microsoft.com/office/drawing/2014/main" id="{A689D771-3BE7-280C-6551-1FBC2A316F2F}"/>
+                <a16:creationId xmlns:a16="http://schemas.microsoft.com/office/drawing/2014/main" id="{E93B3C2A-7A31-75B4-616C-5E0E89FEE3FD}"/>
               </a:ext>
             </a:extLst>
           </p:cNvPr>
@@ -1949,7 +1949,7 @@
           <a:bodyPr/>
           <a:lstStyle/>
           <a:p>
-            <a:fld id="{14E5FA0D-0CF6-4959-AABB-266155CAD32E}" type="datetimeFigureOut">
+            <a:fld id="{BF188C32-B402-43B3-9B3B-CF97CDB2916F}" type="datetimeFigureOut">
               <a:rPr lang="zh-CN" altLang="en-US" smtClean="0"/>
               <a:t>2024/3/10</a:t>
             </a:fld>
@@ -1962,7 +1962,7 @@
           <p:cNvPr id="4" name="页脚占位符 3">
             <a:extLst>
               <a:ext uri="{FF2B5EF4-FFF2-40B4-BE49-F238E27FC236}">
-                <a16:creationId xmlns:a16="http://schemas.microsoft.com/office/drawing/2014/main" id="{177E81AF-43D7-B874-543C-72ACF7F7DEDA}"/>
+                <a16:creationId xmlns:a16="http://schemas.microsoft.com/office/drawing/2014/main" id="{3E6F4A8B-84CA-DC7E-83DF-479744F8775D}"/>
               </a:ext>
             </a:extLst>
           </p:cNvPr>
@@ -1987,7 +1987,7 @@
           <p:cNvPr id="5" name="灯片编号占位符 4">
             <a:extLst>
               <a:ext uri="{FF2B5EF4-FFF2-40B4-BE49-F238E27FC236}">
-                <a16:creationId xmlns:a16="http://schemas.microsoft.com/office/drawing/2014/main" id="{9CB6B8AE-0B40-71B4-708C-1D035E5B18B6}"/>
+                <a16:creationId xmlns:a16="http://schemas.microsoft.com/office/drawing/2014/main" id="{4EE75B8F-A379-3139-6C60-7BF4C740F186}"/>
               </a:ext>
             </a:extLst>
           </p:cNvPr>
@@ -2003,7 +2003,7 @@
           <a:bodyPr/>
           <a:lstStyle/>
           <a:p>
-            <a:fld id="{DD7AC623-9B92-44F0-928C-20177A3EE6BA}" type="slidenum">
+            <a:fld id="{7FD9FF59-B339-4EE1-AA24-8459DED05329}" type="slidenum">
               <a:rPr lang="zh-CN" altLang="en-US" smtClean="0"/>
               <a:t>‹#›</a:t>
             </a:fld>
@@ -2014,7 +2014,7 @@
     </p:spTree>
     <p:extLst>
       <p:ext uri="{BB962C8B-B14F-4D97-AF65-F5344CB8AC3E}">
-        <p14:creationId xmlns:p14="http://schemas.microsoft.com/office/powerpoint/2010/main" val="2963545031"/>
+        <p14:creationId xmlns:p14="http://schemas.microsoft.com/office/powerpoint/2010/main" val="4085436217"/>
       </p:ext>
     </p:extLst>
   </p:cSld>
@@ -2046,7 +2046,7 @@
           <p:cNvPr id="2" name="日期占位符 1">
             <a:extLst>
               <a:ext uri="{FF2B5EF4-FFF2-40B4-BE49-F238E27FC236}">
-                <a16:creationId xmlns:a16="http://schemas.microsoft.com/office/drawing/2014/main" id="{9652B229-355B-E2F3-0A2D-5EA80C358275}"/>
+                <a16:creationId xmlns:a16="http://schemas.microsoft.com/office/drawing/2014/main" id="{AF639CE1-5380-5E3F-497B-4AA868B8F27B}"/>
               </a:ext>
             </a:extLst>
           </p:cNvPr>
@@ -2062,7 +2062,7 @@
           <a:bodyPr/>
           <a:lstStyle/>
           <a:p>
-            <a:fld id="{14E5FA0D-0CF6-4959-AABB-266155CAD32E}" type="datetimeFigureOut">
+            <a:fld id="{BF188C32-B402-43B3-9B3B-CF97CDB2916F}" type="datetimeFigureOut">
               <a:rPr lang="zh-CN" altLang="en-US" smtClean="0"/>
               <a:t>2024/3/10</a:t>
             </a:fld>
@@ -2075,7 +2075,7 @@
           <p:cNvPr id="3" name="页脚占位符 2">
             <a:extLst>
               <a:ext uri="{FF2B5EF4-FFF2-40B4-BE49-F238E27FC236}">
-                <a16:creationId xmlns:a16="http://schemas.microsoft.com/office/drawing/2014/main" id="{1FCD4E81-04A8-9410-AA4C-F16962A40401}"/>
+                <a16:creationId xmlns:a16="http://schemas.microsoft.com/office/drawing/2014/main" id="{18036697-9D79-88A9-007D-4E09025624FB}"/>
               </a:ext>
             </a:extLst>
           </p:cNvPr>
@@ -2100,7 +2100,7 @@
           <p:cNvPr id="4" name="灯片编号占位符 3">
             <a:extLst>
               <a:ext uri="{FF2B5EF4-FFF2-40B4-BE49-F238E27FC236}">
-                <a16:creationId xmlns:a16="http://schemas.microsoft.com/office/drawing/2014/main" id="{1C8B00C7-FF91-F584-E1F2-7A8637966C69}"/>
+                <a16:creationId xmlns:a16="http://schemas.microsoft.com/office/drawing/2014/main" id="{E1901C5F-F714-F84F-AD0A-A501F56B5E88}"/>
               </a:ext>
             </a:extLst>
           </p:cNvPr>
@@ -2116,7 +2116,7 @@
           <a:bodyPr/>
           <a:lstStyle/>
           <a:p>
-            <a:fld id="{DD7AC623-9B92-44F0-928C-20177A3EE6BA}" type="slidenum">
+            <a:fld id="{7FD9FF59-B339-4EE1-AA24-8459DED05329}" type="slidenum">
               <a:rPr lang="zh-CN" altLang="en-US" smtClean="0"/>
               <a:t>‹#›</a:t>
             </a:fld>
@@ -2127,7 +2127,7 @@
     </p:spTree>
     <p:extLst>
       <p:ext uri="{BB962C8B-B14F-4D97-AF65-F5344CB8AC3E}">
-        <p14:creationId xmlns:p14="http://schemas.microsoft.com/office/powerpoint/2010/main" val="3576968870"/>
+        <p14:creationId xmlns:p14="http://schemas.microsoft.com/office/powerpoint/2010/main" val="2164368543"/>
       </p:ext>
     </p:extLst>
   </p:cSld>
@@ -2159,7 +2159,7 @@
           <p:cNvPr id="2" name="标题 1">
             <a:extLst>
               <a:ext uri="{FF2B5EF4-FFF2-40B4-BE49-F238E27FC236}">
-                <a16:creationId xmlns:a16="http://schemas.microsoft.com/office/drawing/2014/main" id="{F0FEAE40-9F01-2CB7-9E16-089F60216513}"/>
+                <a16:creationId xmlns:a16="http://schemas.microsoft.com/office/drawing/2014/main" id="{3C2E5483-D7AC-24D5-BFC0-B1AAFFA671AE}"/>
               </a:ext>
             </a:extLst>
           </p:cNvPr>
@@ -2196,7 +2196,7 @@
           <p:cNvPr id="3" name="内容占位符 2">
             <a:extLst>
               <a:ext uri="{FF2B5EF4-FFF2-40B4-BE49-F238E27FC236}">
-                <a16:creationId xmlns:a16="http://schemas.microsoft.com/office/drawing/2014/main" id="{112DA41C-2CC1-0373-B297-81D42D786818}"/>
+                <a16:creationId xmlns:a16="http://schemas.microsoft.com/office/drawing/2014/main" id="{D6D0A0A9-6402-47C0-91FB-66F40B3F1FC5}"/>
               </a:ext>
             </a:extLst>
           </p:cNvPr>
@@ -2286,7 +2286,7 @@
           <p:cNvPr id="4" name="文本占位符 3">
             <a:extLst>
               <a:ext uri="{FF2B5EF4-FFF2-40B4-BE49-F238E27FC236}">
-                <a16:creationId xmlns:a16="http://schemas.microsoft.com/office/drawing/2014/main" id="{7AD99160-AF20-8437-7C73-668476CFDF56}"/>
+                <a16:creationId xmlns:a16="http://schemas.microsoft.com/office/drawing/2014/main" id="{06C65E24-0541-5CDC-35D1-E8B78DEBECB3}"/>
               </a:ext>
             </a:extLst>
           </p:cNvPr>
@@ -2357,7 +2357,7 @@
           <p:cNvPr id="5" name="日期占位符 4">
             <a:extLst>
               <a:ext uri="{FF2B5EF4-FFF2-40B4-BE49-F238E27FC236}">
-                <a16:creationId xmlns:a16="http://schemas.microsoft.com/office/drawing/2014/main" id="{AEE9FD73-C0B7-3F41-D846-878E19D33580}"/>
+                <a16:creationId xmlns:a16="http://schemas.microsoft.com/office/drawing/2014/main" id="{B258875E-E7DB-463B-DD23-761A6F52527D}"/>
               </a:ext>
             </a:extLst>
           </p:cNvPr>
@@ -2373,7 +2373,7 @@
           <a:bodyPr/>
           <a:lstStyle/>
           <a:p>
-            <a:fld id="{14E5FA0D-0CF6-4959-AABB-266155CAD32E}" type="datetimeFigureOut">
+            <a:fld id="{BF188C32-B402-43B3-9B3B-CF97CDB2916F}" type="datetimeFigureOut">
               <a:rPr lang="zh-CN" altLang="en-US" smtClean="0"/>
               <a:t>2024/3/10</a:t>
             </a:fld>
@@ -2386,7 +2386,7 @@
           <p:cNvPr id="6" name="页脚占位符 5">
             <a:extLst>
               <a:ext uri="{FF2B5EF4-FFF2-40B4-BE49-F238E27FC236}">
-                <a16:creationId xmlns:a16="http://schemas.microsoft.com/office/drawing/2014/main" id="{0A48A27D-2FD2-678E-B534-D5BEB759F1F7}"/>
+                <a16:creationId xmlns:a16="http://schemas.microsoft.com/office/drawing/2014/main" id="{ECBE71BE-4E4F-1EED-9C59-8C369D72B886}"/>
               </a:ext>
             </a:extLst>
           </p:cNvPr>
@@ -2411,7 +2411,7 @@
           <p:cNvPr id="7" name="灯片编号占位符 6">
             <a:extLst>
               <a:ext uri="{FF2B5EF4-FFF2-40B4-BE49-F238E27FC236}">
-                <a16:creationId xmlns:a16="http://schemas.microsoft.com/office/drawing/2014/main" id="{6CE97AAD-AA4C-587C-0998-93CA3AB8D04B}"/>
+                <a16:creationId xmlns:a16="http://schemas.microsoft.com/office/drawing/2014/main" id="{89E2C78E-5747-5A6B-4ED6-76194CFA11FD}"/>
               </a:ext>
             </a:extLst>
           </p:cNvPr>
@@ -2427,7 +2427,7 @@
           <a:bodyPr/>
           <a:lstStyle/>
           <a:p>
-            <a:fld id="{DD7AC623-9B92-44F0-928C-20177A3EE6BA}" type="slidenum">
+            <a:fld id="{7FD9FF59-B339-4EE1-AA24-8459DED05329}" type="slidenum">
               <a:rPr lang="zh-CN" altLang="en-US" smtClean="0"/>
               <a:t>‹#›</a:t>
             </a:fld>
@@ -2438,7 +2438,7 @@
     </p:spTree>
     <p:extLst>
       <p:ext uri="{BB962C8B-B14F-4D97-AF65-F5344CB8AC3E}">
-        <p14:creationId xmlns:p14="http://schemas.microsoft.com/office/powerpoint/2010/main" val="368700168"/>
+        <p14:creationId xmlns:p14="http://schemas.microsoft.com/office/powerpoint/2010/main" val="2216225285"/>
       </p:ext>
     </p:extLst>
   </p:cSld>
@@ -2470,7 +2470,7 @@
           <p:cNvPr id="2" name="标题 1">
             <a:extLst>
               <a:ext uri="{FF2B5EF4-FFF2-40B4-BE49-F238E27FC236}">
-                <a16:creationId xmlns:a16="http://schemas.microsoft.com/office/drawing/2014/main" id="{5FB13EB0-942C-655A-BAE6-04A29DCC61BF}"/>
+                <a16:creationId xmlns:a16="http://schemas.microsoft.com/office/drawing/2014/main" id="{61237607-5B24-9BCB-CE62-192754CD275A}"/>
               </a:ext>
             </a:extLst>
           </p:cNvPr>
@@ -2507,7 +2507,7 @@
           <p:cNvPr id="3" name="图片占位符 2">
             <a:extLst>
               <a:ext uri="{FF2B5EF4-FFF2-40B4-BE49-F238E27FC236}">
-                <a16:creationId xmlns:a16="http://schemas.microsoft.com/office/drawing/2014/main" id="{2D58E269-9FE7-96E5-1AE7-0A17434323CA}"/>
+                <a16:creationId xmlns:a16="http://schemas.microsoft.com/office/drawing/2014/main" id="{2C2C78A4-859D-C65D-871F-D71EF189E63A}"/>
               </a:ext>
             </a:extLst>
           </p:cNvPr>
@@ -2574,7 +2574,7 @@
           <p:cNvPr id="4" name="文本占位符 3">
             <a:extLst>
               <a:ext uri="{FF2B5EF4-FFF2-40B4-BE49-F238E27FC236}">
-                <a16:creationId xmlns:a16="http://schemas.microsoft.com/office/drawing/2014/main" id="{1938532D-6EA0-4612-C4EC-364F52300C0B}"/>
+                <a16:creationId xmlns:a16="http://schemas.microsoft.com/office/drawing/2014/main" id="{D6CC046B-131D-91F6-8831-F281FA5BA1ED}"/>
               </a:ext>
             </a:extLst>
           </p:cNvPr>
@@ -2645,7 +2645,7 @@
           <p:cNvPr id="5" name="日期占位符 4">
             <a:extLst>
               <a:ext uri="{FF2B5EF4-FFF2-40B4-BE49-F238E27FC236}">
-                <a16:creationId xmlns:a16="http://schemas.microsoft.com/office/drawing/2014/main" id="{26822A45-09BF-FDEC-099E-934B45FB8BB0}"/>
+                <a16:creationId xmlns:a16="http://schemas.microsoft.com/office/drawing/2014/main" id="{EE7E9B65-362A-A098-7C2A-17F3326B8D57}"/>
               </a:ext>
             </a:extLst>
           </p:cNvPr>
@@ -2661,7 +2661,7 @@
           <a:bodyPr/>
           <a:lstStyle/>
           <a:p>
-            <a:fld id="{14E5FA0D-0CF6-4959-AABB-266155CAD32E}" type="datetimeFigureOut">
+            <a:fld id="{BF188C32-B402-43B3-9B3B-CF97CDB2916F}" type="datetimeFigureOut">
               <a:rPr lang="zh-CN" altLang="en-US" smtClean="0"/>
               <a:t>2024/3/10</a:t>
             </a:fld>
@@ -2674,7 +2674,7 @@
           <p:cNvPr id="6" name="页脚占位符 5">
             <a:extLst>
               <a:ext uri="{FF2B5EF4-FFF2-40B4-BE49-F238E27FC236}">
-                <a16:creationId xmlns:a16="http://schemas.microsoft.com/office/drawing/2014/main" id="{36DAD5E4-AD4D-CA22-DDE8-CDE148FD5E52}"/>
+                <a16:creationId xmlns:a16="http://schemas.microsoft.com/office/drawing/2014/main" id="{7D9CB505-AC4D-A603-32FC-23919B66CD2F}"/>
               </a:ext>
             </a:extLst>
           </p:cNvPr>
@@ -2699,7 +2699,7 @@
           <p:cNvPr id="7" name="灯片编号占位符 6">
             <a:extLst>
               <a:ext uri="{FF2B5EF4-FFF2-40B4-BE49-F238E27FC236}">
-                <a16:creationId xmlns:a16="http://schemas.microsoft.com/office/drawing/2014/main" id="{8FB27F01-A969-2E2D-EF9B-A97A10C873FC}"/>
+                <a16:creationId xmlns:a16="http://schemas.microsoft.com/office/drawing/2014/main" id="{48076932-979D-75C3-5F2A-23DA120651EE}"/>
               </a:ext>
             </a:extLst>
           </p:cNvPr>
@@ -2715,7 +2715,7 @@
           <a:bodyPr/>
           <a:lstStyle/>
           <a:p>
-            <a:fld id="{DD7AC623-9B92-44F0-928C-20177A3EE6BA}" type="slidenum">
+            <a:fld id="{7FD9FF59-B339-4EE1-AA24-8459DED05329}" type="slidenum">
               <a:rPr lang="zh-CN" altLang="en-US" smtClean="0"/>
               <a:t>‹#›</a:t>
             </a:fld>
@@ -2726,7 +2726,7 @@
     </p:spTree>
     <p:extLst>
       <p:ext uri="{BB962C8B-B14F-4D97-AF65-F5344CB8AC3E}">
-        <p14:creationId xmlns:p14="http://schemas.microsoft.com/office/powerpoint/2010/main" val="1893629879"/>
+        <p14:creationId xmlns:p14="http://schemas.microsoft.com/office/powerpoint/2010/main" val="2936995321"/>
       </p:ext>
     </p:extLst>
   </p:cSld>
@@ -2763,7 +2763,7 @@
           <p:cNvPr id="2" name="标题占位符 1">
             <a:extLst>
               <a:ext uri="{FF2B5EF4-FFF2-40B4-BE49-F238E27FC236}">
-                <a16:creationId xmlns:a16="http://schemas.microsoft.com/office/drawing/2014/main" id="{524FACE8-F7A5-5F58-8A59-FB2A2F22D550}"/>
+                <a16:creationId xmlns:a16="http://schemas.microsoft.com/office/drawing/2014/main" id="{C99B50A5-895D-4245-2102-FD6610393417}"/>
               </a:ext>
             </a:extLst>
           </p:cNvPr>
@@ -2801,7 +2801,7 @@
           <p:cNvPr id="3" name="文本占位符 2">
             <a:extLst>
               <a:ext uri="{FF2B5EF4-FFF2-40B4-BE49-F238E27FC236}">
-                <a16:creationId xmlns:a16="http://schemas.microsoft.com/office/drawing/2014/main" id="{F7601852-A4D8-2200-8C27-FC9AE57A428F}"/>
+                <a16:creationId xmlns:a16="http://schemas.microsoft.com/office/drawing/2014/main" id="{EB61FDAA-7E57-FFA0-1409-DD4D0236DE12}"/>
               </a:ext>
             </a:extLst>
           </p:cNvPr>
@@ -2868,7 +2868,7 @@
           <p:cNvPr id="4" name="日期占位符 3">
             <a:extLst>
               <a:ext uri="{FF2B5EF4-FFF2-40B4-BE49-F238E27FC236}">
-                <a16:creationId xmlns:a16="http://schemas.microsoft.com/office/drawing/2014/main" id="{7B404AE8-7CBA-57EC-F6B3-489DD6264CC4}"/>
+                <a16:creationId xmlns:a16="http://schemas.microsoft.com/office/drawing/2014/main" id="{91C63892-1668-6EDD-6CB0-18B2D66119BB}"/>
               </a:ext>
             </a:extLst>
           </p:cNvPr>
@@ -2902,7 +2902,7 @@
             </a:lvl1pPr>
           </a:lstStyle>
           <a:p>
-            <a:fld id="{14E5FA0D-0CF6-4959-AABB-266155CAD32E}" type="datetimeFigureOut">
+            <a:fld id="{BF188C32-B402-43B3-9B3B-CF97CDB2916F}" type="datetimeFigureOut">
               <a:rPr lang="zh-CN" altLang="en-US" smtClean="0"/>
               <a:t>2024/3/10</a:t>
             </a:fld>
@@ -2915,7 +2915,7 @@
           <p:cNvPr id="5" name="页脚占位符 4">
             <a:extLst>
               <a:ext uri="{FF2B5EF4-FFF2-40B4-BE49-F238E27FC236}">
-                <a16:creationId xmlns:a16="http://schemas.microsoft.com/office/drawing/2014/main" id="{0908BFA4-87F6-FE56-3348-955E4907450C}"/>
+                <a16:creationId xmlns:a16="http://schemas.microsoft.com/office/drawing/2014/main" id="{8B6EA286-ACAE-BADB-404E-E928388CC38C}"/>
               </a:ext>
             </a:extLst>
           </p:cNvPr>
@@ -2958,7 +2958,7 @@
           <p:cNvPr id="6" name="灯片编号占位符 5">
             <a:extLst>
               <a:ext uri="{FF2B5EF4-FFF2-40B4-BE49-F238E27FC236}">
-                <a16:creationId xmlns:a16="http://schemas.microsoft.com/office/drawing/2014/main" id="{B07718EE-7C5B-CF0D-3D6B-C6B10936D455}"/>
+                <a16:creationId xmlns:a16="http://schemas.microsoft.com/office/drawing/2014/main" id="{B09ECD33-4AD0-59E7-878D-40A63FD1AF34}"/>
               </a:ext>
             </a:extLst>
           </p:cNvPr>
@@ -2992,7 +2992,7 @@
             </a:lvl1pPr>
           </a:lstStyle>
           <a:p>
-            <a:fld id="{DD7AC623-9B92-44F0-928C-20177A3EE6BA}" type="slidenum">
+            <a:fld id="{7FD9FF59-B339-4EE1-AA24-8459DED05329}" type="slidenum">
               <a:rPr lang="zh-CN" altLang="en-US" smtClean="0"/>
               <a:t>‹#›</a:t>
             </a:fld>
@@ -3003,7 +3003,7 @@
     </p:spTree>
     <p:extLst>
       <p:ext uri="{BB962C8B-B14F-4D97-AF65-F5344CB8AC3E}">
-        <p14:creationId xmlns:p14="http://schemas.microsoft.com/office/powerpoint/2010/main" val="2757479103"/>
+        <p14:creationId xmlns:p14="http://schemas.microsoft.com/office/powerpoint/2010/main" val="3194715819"/>
       </p:ext>
     </p:extLst>
   </p:cSld>
